--- a/(2020.07.06) 강의소개.pptx
+++ b/(2020.07.06) 강의소개.pptx
@@ -293,7 +293,7 @@
           <a:p>
             <a:fld id="{63A37E20-A2D4-41BA-9D60-0F1E5DED0FDB}" type="datetimeFigureOut">
               <a:rPr lang="ko-KR" altLang="en-US" smtClean="0"/>
-              <a:t>2020-07-03</a:t>
+              <a:t>2020-07-06</a:t>
             </a:fld>
             <a:endParaRPr lang="ko-KR" altLang="en-US"/>
           </a:p>
@@ -463,7 +463,7 @@
           <a:p>
             <a:fld id="{63A37E20-A2D4-41BA-9D60-0F1E5DED0FDB}" type="datetimeFigureOut">
               <a:rPr lang="ko-KR" altLang="en-US" smtClean="0"/>
-              <a:t>2020-07-03</a:t>
+              <a:t>2020-07-06</a:t>
             </a:fld>
             <a:endParaRPr lang="ko-KR" altLang="en-US"/>
           </a:p>
@@ -643,7 +643,7 @@
           <a:p>
             <a:fld id="{63A37E20-A2D4-41BA-9D60-0F1E5DED0FDB}" type="datetimeFigureOut">
               <a:rPr lang="ko-KR" altLang="en-US" smtClean="0"/>
-              <a:t>2020-07-03</a:t>
+              <a:t>2020-07-06</a:t>
             </a:fld>
             <a:endParaRPr lang="ko-KR" altLang="en-US"/>
           </a:p>
@@ -813,7 +813,7 @@
           <a:p>
             <a:fld id="{63A37E20-A2D4-41BA-9D60-0F1E5DED0FDB}" type="datetimeFigureOut">
               <a:rPr lang="ko-KR" altLang="en-US" smtClean="0"/>
-              <a:t>2020-07-03</a:t>
+              <a:t>2020-07-06</a:t>
             </a:fld>
             <a:endParaRPr lang="ko-KR" altLang="en-US"/>
           </a:p>
@@ -1059,7 +1059,7 @@
           <a:p>
             <a:fld id="{63A37E20-A2D4-41BA-9D60-0F1E5DED0FDB}" type="datetimeFigureOut">
               <a:rPr lang="ko-KR" altLang="en-US" smtClean="0"/>
-              <a:t>2020-07-03</a:t>
+              <a:t>2020-07-06</a:t>
             </a:fld>
             <a:endParaRPr lang="ko-KR" altLang="en-US"/>
           </a:p>
@@ -1347,7 +1347,7 @@
           <a:p>
             <a:fld id="{63A37E20-A2D4-41BA-9D60-0F1E5DED0FDB}" type="datetimeFigureOut">
               <a:rPr lang="ko-KR" altLang="en-US" smtClean="0"/>
-              <a:t>2020-07-03</a:t>
+              <a:t>2020-07-06</a:t>
             </a:fld>
             <a:endParaRPr lang="ko-KR" altLang="en-US"/>
           </a:p>
@@ -1769,7 +1769,7 @@
           <a:p>
             <a:fld id="{63A37E20-A2D4-41BA-9D60-0F1E5DED0FDB}" type="datetimeFigureOut">
               <a:rPr lang="ko-KR" altLang="en-US" smtClean="0"/>
-              <a:t>2020-07-03</a:t>
+              <a:t>2020-07-06</a:t>
             </a:fld>
             <a:endParaRPr lang="ko-KR" altLang="en-US"/>
           </a:p>
@@ -1887,7 +1887,7 @@
           <a:p>
             <a:fld id="{63A37E20-A2D4-41BA-9D60-0F1E5DED0FDB}" type="datetimeFigureOut">
               <a:rPr lang="ko-KR" altLang="en-US" smtClean="0"/>
-              <a:t>2020-07-03</a:t>
+              <a:t>2020-07-06</a:t>
             </a:fld>
             <a:endParaRPr lang="ko-KR" altLang="en-US"/>
           </a:p>
@@ -1982,7 +1982,7 @@
           <a:p>
             <a:fld id="{63A37E20-A2D4-41BA-9D60-0F1E5DED0FDB}" type="datetimeFigureOut">
               <a:rPr lang="ko-KR" altLang="en-US" smtClean="0"/>
-              <a:t>2020-07-03</a:t>
+              <a:t>2020-07-06</a:t>
             </a:fld>
             <a:endParaRPr lang="ko-KR" altLang="en-US"/>
           </a:p>
@@ -2259,7 +2259,7 @@
           <a:p>
             <a:fld id="{63A37E20-A2D4-41BA-9D60-0F1E5DED0FDB}" type="datetimeFigureOut">
               <a:rPr lang="ko-KR" altLang="en-US" smtClean="0"/>
-              <a:t>2020-07-03</a:t>
+              <a:t>2020-07-06</a:t>
             </a:fld>
             <a:endParaRPr lang="ko-KR" altLang="en-US"/>
           </a:p>
@@ -2512,7 +2512,7 @@
           <a:p>
             <a:fld id="{63A37E20-A2D4-41BA-9D60-0F1E5DED0FDB}" type="datetimeFigureOut">
               <a:rPr lang="ko-KR" altLang="en-US" smtClean="0"/>
-              <a:t>2020-07-03</a:t>
+              <a:t>2020-07-06</a:t>
             </a:fld>
             <a:endParaRPr lang="ko-KR" altLang="en-US"/>
           </a:p>
@@ -2725,7 +2725,7 @@
           <a:p>
             <a:fld id="{63A37E20-A2D4-41BA-9D60-0F1E5DED0FDB}" type="datetimeFigureOut">
               <a:rPr lang="ko-KR" altLang="en-US" smtClean="0"/>
-              <a:t>2020-07-03</a:t>
+              <a:t>2020-07-06</a:t>
             </a:fld>
             <a:endParaRPr lang="ko-KR" altLang="en-US"/>
           </a:p>
@@ -3662,11 +3662,7 @@
             <a:pPr lvl="1"/>
             <a:r>
               <a:rPr lang="en-US" altLang="ko-KR" sz="1400" smtClean="0"/>
-              <a:t>http://</a:t>
-            </a:r>
-            <a:r>
-              <a:rPr lang="en-US" altLang="ko-KR" sz="1400" smtClean="0"/>
-              <a:t>github.com/gubosd/lecture12</a:t>
+              <a:t>http://github.com/gubosd/lecture12</a:t>
             </a:r>
             <a:endParaRPr lang="ko-KR" altLang="en-US" sz="1400"/>
           </a:p>
@@ -3763,13 +3759,8 @@
             </a:r>
             <a:r>
               <a:rPr lang="en-US" altLang="ko-KR" sz="2000" smtClean="0"/>
-              <a:t>: </a:t>
-            </a:r>
-            <a:r>
-              <a:rPr lang="en-US" altLang="ko-KR" sz="2000" smtClean="0"/>
-              <a:t>AI HuInno Academy</a:t>
-            </a:r>
-            <a:endParaRPr lang="en-US" altLang="ko-KR" sz="2000" smtClean="0"/>
+              <a:t>: AI HuInno Academy</a:t>
+            </a:r>
           </a:p>
           <a:p>
             <a:r>
@@ -3778,11 +3769,7 @@
             </a:r>
             <a:r>
               <a:rPr lang="en-US" altLang="ko-KR" sz="2000" smtClean="0"/>
-              <a:t>: </a:t>
-            </a:r>
-            <a:r>
-              <a:rPr lang="en-US" altLang="ko-KR" sz="2000" smtClean="0"/>
-              <a:t>2020.7.6</a:t>
+              <a:t>: 2020.7.6</a:t>
             </a:r>
             <a:r>
               <a:rPr lang="ko-KR" altLang="en-US" sz="2000" smtClean="0"/>
@@ -3845,11 +3832,7 @@
             </a:r>
             <a:r>
               <a:rPr lang="en-US" altLang="ko-KR" sz="2000" smtClean="0"/>
-              <a:t>: </a:t>
-            </a:r>
-            <a:r>
-              <a:rPr lang="en-US" altLang="ko-KR" sz="2000" smtClean="0"/>
-              <a:t>160</a:t>
+              <a:t>: 160</a:t>
             </a:r>
             <a:r>
               <a:rPr lang="ko-KR" altLang="en-US" sz="2000" smtClean="0"/>
@@ -3891,7 +3874,6 @@
               <a:rPr lang="en-US" altLang="ko-KR" sz="2000" smtClean="0"/>
               <a:t>)</a:t>
             </a:r>
-            <a:endParaRPr lang="en-US" altLang="ko-KR" sz="2000" smtClean="0"/>
           </a:p>
           <a:p>
             <a:r>
@@ -3918,7 +3900,6 @@
               <a:rPr lang="en-US" altLang="ko-KR" sz="2000" smtClean="0"/>
               <a:t>)</a:t>
             </a:r>
-            <a:endParaRPr lang="en-US" altLang="ko-KR" sz="2000" smtClean="0"/>
           </a:p>
           <a:p>
             <a:endParaRPr lang="ko-KR" altLang="en-US" sz="2000"/>
@@ -4020,17 +4001,12 @@
           <a:p>
             <a:r>
               <a:rPr lang="ko-KR" altLang="en-US" smtClean="0"/>
-              <a:t>강의 </a:t>
-            </a:r>
-            <a:r>
-              <a:rPr lang="ko-KR" altLang="en-US" smtClean="0"/>
-              <a:t>내</a:t>
+              <a:t>강의 내</a:t>
             </a:r>
             <a:r>
               <a:rPr lang="ko-KR" altLang="en-US"/>
               <a:t>용</a:t>
             </a:r>
-            <a:endParaRPr lang="ko-KR" altLang="en-US"/>
           </a:p>
         </p:txBody>
       </p:sp>
@@ -4179,11 +4155,7 @@
             <a:pPr lvl="1" fontAlgn="base"/>
             <a:r>
               <a:rPr lang="en-US" altLang="ko-KR" sz="1600" smtClean="0"/>
-              <a:t>S</a:t>
-            </a:r>
-            <a:r>
-              <a:rPr lang="en-US" altLang="ko-KR" sz="1600" smtClean="0"/>
-              <a:t>cikit-learn</a:t>
+              <a:t>Scikit-learn</a:t>
             </a:r>
           </a:p>
           <a:p>
@@ -4758,64 +4730,9 @@
           <a:p>
             <a:r>
               <a:rPr lang="ko-KR" altLang="en-US" smtClean="0"/>
-              <a:t>개발자의 꿈</a:t>
-            </a:r>
-            <a:endParaRPr lang="ko-KR" altLang="en-US"/>
-          </a:p>
-        </p:txBody>
-      </p:sp>
-      <p:sp>
-        <p:nvSpPr>
-          <p:cNvPr id="3" name="내용 개체 틀 2"/>
-          <p:cNvSpPr>
-            <a:spLocks noGrp="1"/>
-          </p:cNvSpPr>
-          <p:nvPr>
-            <p:ph idx="1"/>
-          </p:nvPr>
-        </p:nvSpPr>
-        <p:spPr/>
-        <p:txBody>
-          <a:bodyPr>
-            <a:normAutofit/>
-          </a:bodyPr>
-          <a:lstStyle/>
-          <a:p>
-            <a:r>
-              <a:rPr lang="ko-KR" altLang="en-US" sz="2000" smtClean="0"/>
-              <a:t>사람</a:t>
-            </a:r>
-            <a:endParaRPr lang="en-US" altLang="ko-KR" sz="2000" smtClean="0"/>
-          </a:p>
-          <a:p>
-            <a:endParaRPr lang="en-US" altLang="ko-KR" sz="2000"/>
-          </a:p>
-          <a:p>
-            <a:r>
-              <a:rPr lang="ko-KR" altLang="en-US" sz="2000" smtClean="0"/>
-              <a:t>자연</a:t>
-            </a:r>
-            <a:endParaRPr lang="en-US" altLang="ko-KR" sz="2000" smtClean="0"/>
-          </a:p>
-          <a:p>
-            <a:endParaRPr lang="en-US" altLang="ko-KR" sz="2000"/>
-          </a:p>
-          <a:p>
-            <a:r>
-              <a:rPr lang="ko-KR" altLang="en-US" sz="2000" smtClean="0"/>
-              <a:t>우주</a:t>
-            </a:r>
-            <a:endParaRPr lang="en-US" altLang="ko-KR" sz="2000" smtClean="0"/>
-          </a:p>
-          <a:p>
-            <a:endParaRPr lang="en-US" altLang="ko-KR" sz="2000"/>
-          </a:p>
-          <a:p>
-            <a:r>
-              <a:rPr lang="ko-KR" altLang="en-US" sz="2000"/>
-              <a:t>나</a:t>
-            </a:r>
-            <a:endParaRPr lang="ko-KR" altLang="en-US" sz="2000"/>
+              <a:t>질문과 답변</a:t>
+            </a:r>
+            <a:endParaRPr lang="ko-KR" altLang="en-US"/>
           </a:p>
         </p:txBody>
       </p:sp>
